--- a/presentation/android.pptx
+++ b/presentation/android.pptx
@@ -3320,6 +3320,13 @@
   <p:clrMapOvr>
     <a:masterClrMapping/>
   </p:clrMapOvr>
+  <p:timing>
+    <p:tnLst>
+      <p:par>
+        <p:cTn id="1" dur="indefinite" restart="never" nodeType="tmRoot"/>
+      </p:par>
+    </p:tnLst>
+  </p:timing>
 </p:sld>
 </file>
 
@@ -4086,6 +4093,13 @@
   <p:clrMapOvr>
     <a:masterClrMapping/>
   </p:clrMapOvr>
+  <p:timing>
+    <p:tnLst>
+      <p:par>
+        <p:cTn id="1" dur="indefinite" restart="never" nodeType="tmRoot"/>
+      </p:par>
+    </p:tnLst>
+  </p:timing>
 </p:sld>
 </file>
 
@@ -4574,6 +4588,13 @@
   <p:clrMapOvr>
     <a:masterClrMapping/>
   </p:clrMapOvr>
+  <p:timing>
+    <p:tnLst>
+      <p:par>
+        <p:cTn id="1" dur="indefinite" restart="never" nodeType="tmRoot"/>
+      </p:par>
+    </p:tnLst>
+  </p:timing>
 </p:sld>
 </file>
 
@@ -4779,6 +4800,13 @@
   <p:clrMapOvr>
     <a:masterClrMapping/>
   </p:clrMapOvr>
+  <p:timing>
+    <p:tnLst>
+      <p:par>
+        <p:cTn id="1" dur="indefinite" restart="never" nodeType="tmRoot"/>
+      </p:par>
+    </p:tnLst>
+  </p:timing>
 </p:sld>
 </file>
 
@@ -5180,6 +5208,13 @@
   <p:clrMapOvr>
     <a:masterClrMapping/>
   </p:clrMapOvr>
+  <p:timing>
+    <p:tnLst>
+      <p:par>
+        <p:cTn id="1" dur="indefinite" restart="never" nodeType="tmRoot"/>
+      </p:par>
+    </p:tnLst>
+  </p:timing>
 </p:sld>
 </file>
 
@@ -5768,6 +5803,13 @@
   <p:clrMapOvr>
     <a:masterClrMapping/>
   </p:clrMapOvr>
+  <p:timing>
+    <p:tnLst>
+      <p:par>
+        <p:cTn id="1" dur="indefinite" restart="never" nodeType="tmRoot"/>
+      </p:par>
+    </p:tnLst>
+  </p:timing>
 </p:sld>
 </file>
 
@@ -5878,8 +5920,8 @@
         </p:nvCxnSpPr>
         <p:spPr>
           <a:xfrm>
-            <a:off x="6411018" y="2278763"/>
-            <a:ext cx="721302" cy="0"/>
+            <a:off x="6358264" y="2285379"/>
+            <a:ext cx="763505" cy="621"/>
           </a:xfrm>
           <a:prstGeom prst="straightConnector1">
             <a:avLst/>
@@ -5914,8 +5956,8 @@
         </p:nvSpPr>
         <p:spPr>
           <a:xfrm>
-            <a:off x="4804756" y="2094097"/>
-            <a:ext cx="1606262" cy="369332"/>
+            <a:off x="4752002" y="1962213"/>
+            <a:ext cx="1606262" cy="646331"/>
           </a:xfrm>
           <a:prstGeom prst="rect">
             <a:avLst/>
@@ -5933,7 +5975,60 @@
                 <a:latin typeface="微軟正黑體" panose="020B0604030504040204" pitchFamily="34" charset="-120"/>
                 <a:ea typeface="微軟正黑體" panose="020B0604030504040204" pitchFamily="34" charset="-120"/>
               </a:rPr>
-              <a:t>列出所有紀錄</a:t>
+              <a:t>列出所有</a:t>
+            </a:r>
+            <a:r>
+              <a:rPr lang="zh-TW" altLang="en-US" dirty="0" smtClean="0">
+                <a:latin typeface="微軟正黑體" panose="020B0604030504040204" pitchFamily="34" charset="-120"/>
+                <a:ea typeface="微軟正黑體" panose="020B0604030504040204" pitchFamily="34" charset="-120"/>
+              </a:rPr>
+              <a:t>紀錄</a:t>
+            </a:r>
+            <a:endParaRPr lang="en-US" altLang="zh-TW" dirty="0" smtClean="0">
+              <a:latin typeface="微軟正黑體" panose="020B0604030504040204" pitchFamily="34" charset="-120"/>
+              <a:ea typeface="微軟正黑體" panose="020B0604030504040204" pitchFamily="34" charset="-120"/>
+            </a:endParaRPr>
+          </a:p>
+          <a:p>
+            <a:r>
+              <a:rPr lang="en-US" altLang="zh-TW" dirty="0" smtClean="0">
+                <a:latin typeface="微軟正黑體" panose="020B0604030504040204" pitchFamily="34" charset="-120"/>
+                <a:ea typeface="微軟正黑體" panose="020B0604030504040204" pitchFamily="34" charset="-120"/>
+                <a:cs typeface="Times New Roman" panose="02020603050405020304" pitchFamily="18" charset="0"/>
+              </a:rPr>
+              <a:t>  (</a:t>
+            </a:r>
+            <a:r>
+              <a:rPr lang="zh-TW" altLang="en-US" dirty="0" smtClean="0">
+                <a:latin typeface="微軟正黑體" panose="020B0604030504040204" pitchFamily="34" charset="-120"/>
+                <a:ea typeface="微軟正黑體" panose="020B0604030504040204" pitchFamily="34" charset="-120"/>
+                <a:cs typeface="Times New Roman" panose="02020603050405020304" pitchFamily="18" charset="0"/>
+              </a:rPr>
+              <a:t>動畫</a:t>
+            </a:r>
+            <a:r>
+              <a:rPr lang="zh-TW" altLang="en-US" dirty="0">
+                <a:latin typeface="微軟正黑體" panose="020B0604030504040204" pitchFamily="34" charset="-120"/>
+                <a:ea typeface="微軟正黑體" panose="020B0604030504040204" pitchFamily="34" charset="-120"/>
+                <a:cs typeface="Times New Roman" panose="02020603050405020304" pitchFamily="18" charset="0"/>
+              </a:rPr>
+              <a:t>淡</a:t>
+            </a:r>
+            <a:r>
+              <a:rPr lang="zh-TW" altLang="en-US" dirty="0" smtClean="0">
+                <a:latin typeface="微軟正黑體" panose="020B0604030504040204" pitchFamily="34" charset="-120"/>
+                <a:ea typeface="微軟正黑體" panose="020B0604030504040204" pitchFamily="34" charset="-120"/>
+                <a:cs typeface="Times New Roman" panose="02020603050405020304" pitchFamily="18" charset="0"/>
+              </a:rPr>
+              <a:t>入</a:t>
+            </a:r>
+            <a:r>
+              <a:rPr lang="en-US" altLang="zh-TW" dirty="0">
+                <a:latin typeface="微軟正黑體" panose="020B0604030504040204" pitchFamily="34" charset="-120"/>
+                <a:ea typeface="微軟正黑體" panose="020B0604030504040204" pitchFamily="34" charset="-120"/>
+                <a:cs typeface="Times New Roman" panose="02020603050405020304" pitchFamily="18" charset="0"/>
+              </a:rPr>
+              <a:t>)</a:t>
             </a:r>
             <a:endParaRPr lang="en-US" dirty="0">
               <a:latin typeface="Times New Roman" panose="02020603050405020304" pitchFamily="18" charset="0"/>
@@ -6040,6 +6135,13 @@
   <p:clrMapOvr>
     <a:masterClrMapping/>
   </p:clrMapOvr>
+  <p:timing>
+    <p:tnLst>
+      <p:par>
+        <p:cTn id="1" dur="indefinite" restart="never" nodeType="tmRoot"/>
+      </p:par>
+    </p:tnLst>
+  </p:timing>
 </p:sld>
 </file>
 
@@ -6106,6 +6208,13 @@
   <p:clrMapOvr>
     <a:masterClrMapping/>
   </p:clrMapOvr>
+  <p:timing>
+    <p:tnLst>
+      <p:par>
+        <p:cTn id="1" dur="indefinite" restart="never" nodeType="tmRoot"/>
+      </p:par>
+    </p:tnLst>
+  </p:timing>
 </p:sld>
 </file>
 
